--- a/diagram/flowchart.pptx
+++ b/diagram/flowchart.pptx
@@ -104,6 +104,22 @@
       </a:defRPr>
     </a:lvl9pPr>
   </p:defaultTextStyle>
+  <p:extLst>
+    <p:ext uri="{EFAFB233-063F-42B5-8137-9DF3F51BA10A}">
+      <p15:sldGuideLst xmlns:p15="http://schemas.microsoft.com/office/powerpoint/2012/main">
+        <p15:guide id="1" orient="horz" pos="2160">
+          <p15:clr>
+            <a:srgbClr val="A4A3A4"/>
+          </p15:clr>
+        </p15:guide>
+        <p15:guide id="2" pos="2880">
+          <p15:clr>
+            <a:srgbClr val="A4A3A4"/>
+          </p15:clr>
+        </p15:guide>
+      </p15:sldGuideLst>
+    </p:ext>
+  </p:extLst>
 </p:presentation>
 </file>
 
@@ -288,7 +304,7 @@
           <a:p>
             <a:fld id="{3F5F293D-20BF-487A-BFA7-792ABC73B8A5}" type="datetimeFigureOut">
               <a:rPr lang="th-TH" smtClean="0"/>
-              <a:t>05/07/59</a:t>
+              <a:t>24/04/60</a:t>
             </a:fld>
             <a:endParaRPr lang="th-TH"/>
           </a:p>
@@ -453,7 +469,7 @@
           <a:p>
             <a:fld id="{3F5F293D-20BF-487A-BFA7-792ABC73B8A5}" type="datetimeFigureOut">
               <a:rPr lang="th-TH" smtClean="0"/>
-              <a:t>05/07/59</a:t>
+              <a:t>24/04/60</a:t>
             </a:fld>
             <a:endParaRPr lang="th-TH"/>
           </a:p>
@@ -628,7 +644,7 @@
           <a:p>
             <a:fld id="{3F5F293D-20BF-487A-BFA7-792ABC73B8A5}" type="datetimeFigureOut">
               <a:rPr lang="th-TH" smtClean="0"/>
-              <a:t>05/07/59</a:t>
+              <a:t>24/04/60</a:t>
             </a:fld>
             <a:endParaRPr lang="th-TH"/>
           </a:p>
@@ -793,7 +809,7 @@
           <a:p>
             <a:fld id="{3F5F293D-20BF-487A-BFA7-792ABC73B8A5}" type="datetimeFigureOut">
               <a:rPr lang="th-TH" smtClean="0"/>
-              <a:t>05/07/59</a:t>
+              <a:t>24/04/60</a:t>
             </a:fld>
             <a:endParaRPr lang="th-TH"/>
           </a:p>
@@ -1034,7 +1050,7 @@
           <a:p>
             <a:fld id="{3F5F293D-20BF-487A-BFA7-792ABC73B8A5}" type="datetimeFigureOut">
               <a:rPr lang="th-TH" smtClean="0"/>
-              <a:t>05/07/59</a:t>
+              <a:t>24/04/60</a:t>
             </a:fld>
             <a:endParaRPr lang="th-TH"/>
           </a:p>
@@ -1317,7 +1333,7 @@
           <a:p>
             <a:fld id="{3F5F293D-20BF-487A-BFA7-792ABC73B8A5}" type="datetimeFigureOut">
               <a:rPr lang="th-TH" smtClean="0"/>
-              <a:t>05/07/59</a:t>
+              <a:t>24/04/60</a:t>
             </a:fld>
             <a:endParaRPr lang="th-TH"/>
           </a:p>
@@ -1734,7 +1750,7 @@
           <a:p>
             <a:fld id="{3F5F293D-20BF-487A-BFA7-792ABC73B8A5}" type="datetimeFigureOut">
               <a:rPr lang="th-TH" smtClean="0"/>
-              <a:t>05/07/59</a:t>
+              <a:t>24/04/60</a:t>
             </a:fld>
             <a:endParaRPr lang="th-TH"/>
           </a:p>
@@ -1847,7 +1863,7 @@
           <a:p>
             <a:fld id="{3F5F293D-20BF-487A-BFA7-792ABC73B8A5}" type="datetimeFigureOut">
               <a:rPr lang="th-TH" smtClean="0"/>
-              <a:t>05/07/59</a:t>
+              <a:t>24/04/60</a:t>
             </a:fld>
             <a:endParaRPr lang="th-TH"/>
           </a:p>
@@ -1937,7 +1953,7 @@
           <a:p>
             <a:fld id="{3F5F293D-20BF-487A-BFA7-792ABC73B8A5}" type="datetimeFigureOut">
               <a:rPr lang="th-TH" smtClean="0"/>
-              <a:t>05/07/59</a:t>
+              <a:t>24/04/60</a:t>
             </a:fld>
             <a:endParaRPr lang="th-TH"/>
           </a:p>
@@ -2209,7 +2225,7 @@
           <a:p>
             <a:fld id="{3F5F293D-20BF-487A-BFA7-792ABC73B8A5}" type="datetimeFigureOut">
               <a:rPr lang="th-TH" smtClean="0"/>
-              <a:t>05/07/59</a:t>
+              <a:t>24/04/60</a:t>
             </a:fld>
             <a:endParaRPr lang="th-TH"/>
           </a:p>
@@ -2457,7 +2473,7 @@
           <a:p>
             <a:fld id="{3F5F293D-20BF-487A-BFA7-792ABC73B8A5}" type="datetimeFigureOut">
               <a:rPr lang="th-TH" smtClean="0"/>
-              <a:t>05/07/59</a:t>
+              <a:t>24/04/60</a:t>
             </a:fld>
             <a:endParaRPr lang="th-TH"/>
           </a:p>
@@ -2665,7 +2681,7 @@
           <a:p>
             <a:fld id="{3F5F293D-20BF-487A-BFA7-792ABC73B8A5}" type="datetimeFigureOut">
               <a:rPr lang="th-TH" smtClean="0"/>
-              <a:t>05/07/59</a:t>
+              <a:t>24/04/60</a:t>
             </a:fld>
             <a:endParaRPr lang="th-TH"/>
           </a:p>
@@ -3962,6 +3978,7 @@
             <a:prstGeom prst="line">
               <a:avLst/>
             </a:prstGeom>
+            <a:ln w="25400"/>
           </p:spPr>
           <p:style>
             <a:lnRef idx="1">
@@ -3992,6 +4009,7 @@
             <a:prstGeom prst="line">
               <a:avLst/>
             </a:prstGeom>
+            <a:ln w="25400"/>
           </p:spPr>
           <p:style>
             <a:lnRef idx="1">
@@ -4022,6 +4040,7 @@
             <a:prstGeom prst="line">
               <a:avLst/>
             </a:prstGeom>
+            <a:ln w="25400"/>
           </p:spPr>
           <p:style>
             <a:lnRef idx="1">
@@ -4054,7 +4073,7 @@
             <a:prstGeom prst="straightConnector1">
               <a:avLst/>
             </a:prstGeom>
-            <a:ln>
+            <a:ln w="25400">
               <a:tailEnd type="arrow"/>
             </a:ln>
           </p:spPr>
@@ -4089,7 +4108,7 @@
             <a:prstGeom prst="straightConnector1">
               <a:avLst/>
             </a:prstGeom>
-            <a:ln>
+            <a:ln w="25400">
               <a:tailEnd type="arrow"/>
             </a:ln>
           </p:spPr>
@@ -4122,7 +4141,7 @@
             <a:prstGeom prst="straightConnector1">
               <a:avLst/>
             </a:prstGeom>
-            <a:ln>
+            <a:ln w="25400">
               <a:tailEnd type="arrow"/>
             </a:ln>
           </p:spPr>
@@ -4155,7 +4174,7 @@
             <a:prstGeom prst="straightConnector1">
               <a:avLst/>
             </a:prstGeom>
-            <a:ln>
+            <a:ln w="25400">
               <a:tailEnd type="arrow"/>
             </a:ln>
           </p:spPr>
@@ -4188,7 +4207,7 @@
             <a:prstGeom prst="straightConnector1">
               <a:avLst/>
             </a:prstGeom>
-            <a:ln>
+            <a:ln w="25400">
               <a:tailEnd type="arrow"/>
             </a:ln>
           </p:spPr>
@@ -4221,7 +4240,7 @@
             <a:prstGeom prst="straightConnector1">
               <a:avLst/>
             </a:prstGeom>
-            <a:ln>
+            <a:ln w="25400">
               <a:tailEnd type="arrow"/>
             </a:ln>
           </p:spPr>
@@ -4254,6 +4273,7 @@
             <a:prstGeom prst="line">
               <a:avLst/>
             </a:prstGeom>
+            <a:ln w="25400"/>
           </p:spPr>
           <p:style>
             <a:lnRef idx="1">
@@ -4329,6 +4349,7 @@
             <a:prstGeom prst="line">
               <a:avLst/>
             </a:prstGeom>
+            <a:ln w="25400"/>
           </p:spPr>
           <p:style>
             <a:lnRef idx="1">
@@ -4361,6 +4382,7 @@
             <a:prstGeom prst="line">
               <a:avLst/>
             </a:prstGeom>
+            <a:ln w="25400"/>
           </p:spPr>
           <p:style>
             <a:lnRef idx="1">
@@ -4391,6 +4413,7 @@
             <a:prstGeom prst="line">
               <a:avLst/>
             </a:prstGeom>
+            <a:ln w="25400"/>
           </p:spPr>
           <p:style>
             <a:lnRef idx="1">
@@ -4423,7 +4446,7 @@
             <a:prstGeom prst="straightConnector1">
               <a:avLst/>
             </a:prstGeom>
-            <a:ln>
+            <a:ln w="25400">
               <a:tailEnd type="arrow"/>
             </a:ln>
           </p:spPr>
@@ -4509,7 +4532,7 @@
             <a:prstGeom prst="straightConnector1">
               <a:avLst/>
             </a:prstGeom>
-            <a:ln>
+            <a:ln w="25400">
               <a:tailEnd type="arrow"/>
             </a:ln>
           </p:spPr>
@@ -4542,7 +4565,7 @@
             <a:prstGeom prst="straightConnector1">
               <a:avLst/>
             </a:prstGeom>
-            <a:ln>
+            <a:ln w="25400">
               <a:tailEnd type="arrow"/>
             </a:ln>
           </p:spPr>
@@ -4577,7 +4600,7 @@
             <a:prstGeom prst="straightConnector1">
               <a:avLst/>
             </a:prstGeom>
-            <a:ln>
+            <a:ln w="25400">
               <a:tailEnd type="arrow"/>
             </a:ln>
           </p:spPr>
@@ -4610,7 +4633,7 @@
             <a:prstGeom prst="straightConnector1">
               <a:avLst/>
             </a:prstGeom>
-            <a:ln>
+            <a:ln w="25400">
               <a:tailEnd type="arrow"/>
             </a:ln>
           </p:spPr>
@@ -4643,7 +4666,7 @@
             <a:prstGeom prst="straightConnector1">
               <a:avLst/>
             </a:prstGeom>
-            <a:ln>
+            <a:ln w="25400">
               <a:tailEnd type="arrow"/>
             </a:ln>
           </p:spPr>
@@ -4676,7 +4699,7 @@
             <a:prstGeom prst="straightConnector1">
               <a:avLst/>
             </a:prstGeom>
-            <a:ln>
+            <a:ln w="25400">
               <a:tailEnd type="arrow"/>
             </a:ln>
           </p:spPr>
@@ -4709,7 +4732,7 @@
             <a:prstGeom prst="straightConnector1">
               <a:avLst/>
             </a:prstGeom>
-            <a:ln>
+            <a:ln w="25400">
               <a:tailEnd type="arrow"/>
             </a:ln>
           </p:spPr>
@@ -4744,6 +4767,7 @@
             <a:prstGeom prst="line">
               <a:avLst/>
             </a:prstGeom>
+            <a:ln w="25400"/>
           </p:spPr>
           <p:style>
             <a:lnRef idx="1">
@@ -4774,6 +4798,7 @@
             <a:prstGeom prst="line">
               <a:avLst/>
             </a:prstGeom>
+            <a:ln w="25400"/>
           </p:spPr>
           <p:style>
             <a:lnRef idx="1">
@@ -4804,6 +4829,7 @@
             <a:prstGeom prst="line">
               <a:avLst/>
             </a:prstGeom>
+            <a:ln w="25400"/>
           </p:spPr>
           <p:style>
             <a:lnRef idx="1">
@@ -4836,7 +4862,7 @@
             <a:prstGeom prst="straightConnector1">
               <a:avLst/>
             </a:prstGeom>
-            <a:ln>
+            <a:ln w="25400">
               <a:headEnd type="arrow"/>
               <a:tailEnd type="arrow"/>
             </a:ln>
@@ -4870,7 +4896,7 @@
             <a:prstGeom prst="straightConnector1">
               <a:avLst/>
             </a:prstGeom>
-            <a:ln>
+            <a:ln w="25400">
               <a:headEnd type="arrow"/>
               <a:tailEnd type="arrow"/>
             </a:ln>
@@ -4904,7 +4930,7 @@
             <a:prstGeom prst="straightConnector1">
               <a:avLst/>
             </a:prstGeom>
-            <a:ln>
+            <a:ln w="25400">
               <a:tailEnd type="arrow"/>
             </a:ln>
           </p:spPr>
@@ -4937,6 +4963,7 @@
             <a:prstGeom prst="line">
               <a:avLst/>
             </a:prstGeom>
+            <a:ln w="25400"/>
           </p:spPr>
           <p:style>
             <a:lnRef idx="1">
@@ -4967,7 +4994,7 @@
             <a:prstGeom prst="straightConnector1">
               <a:avLst/>
             </a:prstGeom>
-            <a:ln>
+            <a:ln w="25400">
               <a:tailEnd type="arrow"/>
             </a:ln>
           </p:spPr>
@@ -5002,6 +5029,7 @@
             <a:prstGeom prst="line">
               <a:avLst/>
             </a:prstGeom>
+            <a:ln w="25400"/>
           </p:spPr>
           <p:style>
             <a:lnRef idx="1">
@@ -5032,6 +5060,7 @@
             <a:prstGeom prst="line">
               <a:avLst/>
             </a:prstGeom>
+            <a:ln w="25400"/>
           </p:spPr>
           <p:style>
             <a:lnRef idx="1">
@@ -5062,6 +5091,7 @@
             <a:prstGeom prst="line">
               <a:avLst/>
             </a:prstGeom>
+            <a:ln w="25400"/>
           </p:spPr>
           <p:style>
             <a:lnRef idx="1">
@@ -5094,6 +5124,7 @@
             <a:prstGeom prst="line">
               <a:avLst/>
             </a:prstGeom>
+            <a:ln w="25400"/>
           </p:spPr>
           <p:style>
             <a:lnRef idx="1">
@@ -5126,7 +5157,7 @@
             <a:prstGeom prst="straightConnector1">
               <a:avLst/>
             </a:prstGeom>
-            <a:ln>
+            <a:ln w="25400">
               <a:tailEnd type="arrow"/>
             </a:ln>
           </p:spPr>
